--- a/doc/survival lecture 5.pptx
+++ b/doc/survival lecture 5.pptx
@@ -5,10 +5,10 @@
     <p:sldMasterId id="2147483664" r:id="rId1"/>
   </p:sldMasterIdLst>
   <p:notesMasterIdLst>
-    <p:notesMasterId r:id="rId31"/>
+    <p:notesMasterId r:id="rId30"/>
   </p:notesMasterIdLst>
   <p:handoutMasterIdLst>
-    <p:handoutMasterId r:id="rId32"/>
+    <p:handoutMasterId r:id="rId31"/>
   </p:handoutMasterIdLst>
   <p:sldIdLst>
     <p:sldId id="256" r:id="rId2"/>
@@ -38,8 +38,7 @@
     <p:sldId id="414" r:id="rId26"/>
     <p:sldId id="413" r:id="rId27"/>
     <p:sldId id="412" r:id="rId28"/>
-    <p:sldId id="411" r:id="rId29"/>
-    <p:sldId id="342" r:id="rId30"/>
+    <p:sldId id="342" r:id="rId29"/>
   </p:sldIdLst>
   <p:sldSz cx="9144000" cy="6858000" type="screen4x3"/>
   <p:notesSz cx="9601200" cy="7315200"/>
@@ -356,7 +355,7 @@
               <a:pPr>
                 <a:defRPr/>
               </a:pPr>
-              <a:t>6/5/2018</a:t>
+              <a:t>10/16/2018</a:t>
             </a:fld>
             <a:endParaRPr lang="en-US" altLang="en-US"/>
           </a:p>
@@ -664,7 +663,7 @@
               <a:pPr>
                 <a:defRPr/>
               </a:pPr>
-              <a:t>6/5/2018</a:t>
+              <a:t>10/16/2018</a:t>
             </a:fld>
             <a:endParaRPr lang="en-US" altLang="en-US"/>
           </a:p>
@@ -3871,12 +3870,26 @@
           <a:lstStyle/>
           <a:p>
             <a:pPr eaLnBrk="1" hangingPunct="1"/>
+            <a:r>
+              <a:rPr lang="en-US" altLang="en-US" sz="2800" dirty="0">
+                <a:latin typeface="Calibri" pitchFamily="34" charset="0"/>
+                <a:cs typeface="Arial" charset="0"/>
+              </a:rPr>
+              <a:t/>
+            </a:r>
             <a:br>
               <a:rPr lang="en-US" altLang="en-US" sz="2800" dirty="0">
                 <a:latin typeface="Calibri" pitchFamily="34" charset="0"/>
                 <a:cs typeface="Arial" charset="0"/>
               </a:rPr>
             </a:br>
+            <a:r>
+              <a:rPr lang="en-US" altLang="en-US" sz="2800" dirty="0">
+                <a:latin typeface="Calibri" pitchFamily="34" charset="0"/>
+                <a:cs typeface="Arial" charset="0"/>
+              </a:rPr>
+              <a:t/>
+            </a:r>
             <a:br>
               <a:rPr lang="en-US" altLang="en-US" sz="2800" dirty="0">
                 <a:latin typeface="Calibri" pitchFamily="34" charset="0"/>
@@ -4018,6 +4031,13 @@
   <p:clrMapOvr>
     <a:masterClrMapping/>
   </p:clrMapOvr>
+  <p:timing>
+    <p:tnLst>
+      <p:par>
+        <p:cTn id="1" dur="indefinite" restart="never" nodeType="tmRoot"/>
+      </p:par>
+    </p:tnLst>
+  </p:timing>
 </p:sld>
 </file>
 
@@ -6850,6 +6870,13 @@
   <p:clrMapOvr>
     <a:masterClrMapping/>
   </p:clrMapOvr>
+  <p:timing>
+    <p:tnLst>
+      <p:par>
+        <p:cTn id="1" dur="indefinite" restart="never" nodeType="tmRoot"/>
+      </p:par>
+    </p:tnLst>
+  </p:timing>
 </p:sld>
 </file>
 
@@ -7035,6 +7062,13 @@
   <p:clrMapOvr>
     <a:masterClrMapping/>
   </p:clrMapOvr>
+  <p:timing>
+    <p:tnLst>
+      <p:par>
+        <p:cTn id="1" dur="indefinite" restart="never" nodeType="tmRoot"/>
+      </p:par>
+    </p:tnLst>
+  </p:timing>
 </p:sld>
 </file>
 
@@ -7072,8 +7106,118 @@
           <a:p>
             <a:r>
               <a:rPr lang="en-US" dirty="0"/>
-              <a:t>The Weibull model</a:t>
-            </a:r>
+              <a:t>Conclusion</a:t>
+            </a:r>
+          </a:p>
+        </p:txBody>
+      </p:sp>
+      <p:sp>
+        <p:nvSpPr>
+          <p:cNvPr id="3" name="Text Placeholder 2"/>
+          <p:cNvSpPr>
+            <a:spLocks noGrp="1"/>
+          </p:cNvSpPr>
+          <p:nvPr>
+            <p:ph type="body" idx="1"/>
+          </p:nvPr>
+        </p:nvSpPr>
+        <p:spPr/>
+        <p:txBody>
+          <a:bodyPr/>
+          <a:lstStyle/>
+          <a:p>
+            <a:pPr marL="457200" indent="-457200">
+              <a:buFont typeface="+mj-lt"/>
+              <a:buAutoNum type="arabicPeriod"/>
+            </a:pPr>
+            <a:r>
+              <a:rPr lang="en-US" dirty="0">
+                <a:latin typeface="+mj-lt"/>
+                <a:cs typeface="Courier New" panose="02070309020205020404" pitchFamily="49" charset="0"/>
+              </a:rPr>
+              <a:t>The exponential and Weibull regression models fit a parametric survival curve to the data.</a:t>
+            </a:r>
+          </a:p>
+          <a:p>
+            <a:pPr marL="457200" indent="-457200">
+              <a:buFont typeface="+mj-lt"/>
+              <a:buAutoNum type="arabicPeriod"/>
+            </a:pPr>
+            <a:r>
+              <a:rPr lang="en-US" dirty="0">
+                <a:latin typeface="+mj-lt"/>
+                <a:cs typeface="Courier New" panose="02070309020205020404" pitchFamily="49" charset="0"/>
+              </a:rPr>
+              <a:t>You can interpret both models in terms of accelerated time.</a:t>
+            </a:r>
+          </a:p>
+          <a:p>
+            <a:pPr marL="457200" indent="-457200">
+              <a:buFont typeface="+mj-lt"/>
+              <a:buAutoNum type="arabicPeriod"/>
+            </a:pPr>
+            <a:r>
+              <a:rPr lang="en-US" dirty="0">
+                <a:latin typeface="+mj-lt"/>
+                <a:cs typeface="Courier New" panose="02070309020205020404" pitchFamily="49" charset="0"/>
+              </a:rPr>
+              <a:t>The exponential survival curve is associated with a constant hazard.</a:t>
+            </a:r>
+          </a:p>
+          <a:p>
+            <a:pPr marL="457200" indent="-457200">
+              <a:buFont typeface="+mj-lt"/>
+              <a:buAutoNum type="arabicPeriod"/>
+            </a:pPr>
+            <a:r>
+              <a:rPr lang="en-US" dirty="0">
+                <a:latin typeface="+mj-lt"/>
+                <a:cs typeface="Courier New" panose="02070309020205020404" pitchFamily="49" charset="0"/>
+              </a:rPr>
+              <a:t>The Weibull survival curve is associated with</a:t>
+            </a:r>
+          </a:p>
+          <a:p>
+            <a:pPr marL="914400" lvl="1" indent="-457200">
+              <a:buFont typeface="Arial" panose="020B0604020202020204" pitchFamily="34" charset="0"/>
+              <a:buChar char="•"/>
+            </a:pPr>
+            <a:r>
+              <a:rPr lang="en-US" dirty="0">
+                <a:latin typeface="+mj-lt"/>
+                <a:cs typeface="Courier New" panose="02070309020205020404" pitchFamily="49" charset="0"/>
+              </a:rPr>
+              <a:t> a decreasing hazard if the scale parameter is less than one,</a:t>
+            </a:r>
+          </a:p>
+          <a:p>
+            <a:pPr marL="914400" lvl="1" indent="-457200">
+              <a:buFont typeface="Arial" panose="020B0604020202020204" pitchFamily="34" charset="0"/>
+              <a:buChar char="•"/>
+            </a:pPr>
+            <a:r>
+              <a:rPr lang="en-US" dirty="0">
+                <a:latin typeface="+mj-lt"/>
+                <a:cs typeface="Courier New" panose="02070309020205020404" pitchFamily="49" charset="0"/>
+              </a:rPr>
+              <a:t>a constant hazard if the scale parameter equals one, and</a:t>
+            </a:r>
+          </a:p>
+          <a:p>
+            <a:pPr marL="914400" lvl="1" indent="-457200">
+              <a:buFont typeface="Arial" panose="020B0604020202020204" pitchFamily="34" charset="0"/>
+              <a:buChar char="•"/>
+            </a:pPr>
+            <a:r>
+              <a:rPr lang="en-US" dirty="0">
+                <a:latin typeface="+mj-lt"/>
+                <a:cs typeface="Courier New" panose="02070309020205020404" pitchFamily="49" charset="0"/>
+              </a:rPr>
+              <a:t>an increasing hazard if the scale parameter is greater than one.</a:t>
+            </a:r>
+            <a:endParaRPr lang="en-US" dirty="0">
+              <a:latin typeface="+mj-lt"/>
+            </a:endParaRPr>
           </a:p>
         </p:txBody>
       </p:sp>
@@ -7132,277 +7276,6 @@
                 <a:defRPr/>
               </a:pPr>
               <a:t>28</a:t>
-            </a:fld>
-            <a:endParaRPr lang="en-US"/>
-          </a:p>
-        </p:txBody>
-      </p:sp>
-      <p:sp>
-        <p:nvSpPr>
-          <p:cNvPr id="6" name="Text Placeholder 5"/>
-          <p:cNvSpPr>
-            <a:spLocks noGrp="1"/>
-          </p:cNvSpPr>
-          <p:nvPr>
-            <p:ph type="body" sz="quarter" idx="12"/>
-          </p:nvPr>
-        </p:nvSpPr>
-        <p:spPr/>
-        <p:txBody>
-          <a:bodyPr/>
-          <a:lstStyle/>
-          <a:p>
-            <a:endParaRPr lang="en-US" dirty="0"/>
-          </a:p>
-        </p:txBody>
-      </p:sp>
-      <p:pic>
-        <p:nvPicPr>
-          <p:cNvPr id="7" name="Picture 6">
-            <a:extLst>
-              <a:ext uri="{FF2B5EF4-FFF2-40B4-BE49-F238E27FC236}">
-                <a16:creationId xmlns:a16="http://schemas.microsoft.com/office/drawing/2014/main" id="{745E9504-18DB-41DD-9172-BEB31BCE8637}"/>
-              </a:ext>
-            </a:extLst>
-          </p:cNvPr>
-          <p:cNvPicPr>
-            <a:picLocks noChangeAspect="1"/>
-          </p:cNvPicPr>
-          <p:nvPr/>
-        </p:nvPicPr>
-        <p:blipFill>
-          <a:blip r:embed="rId2"/>
-          <a:stretch>
-            <a:fillRect/>
-          </a:stretch>
-        </p:blipFill>
-        <p:spPr>
-          <a:xfrm>
-            <a:off x="448654" y="1176619"/>
-            <a:ext cx="7685714" cy="4504762"/>
-          </a:xfrm>
-          <a:prstGeom prst="rect">
-            <a:avLst/>
-          </a:prstGeom>
-        </p:spPr>
-      </p:pic>
-    </p:spTree>
-    <p:extLst>
-      <p:ext uri="{BB962C8B-B14F-4D97-AF65-F5344CB8AC3E}">
-        <p14:creationId xmlns:p14="http://schemas.microsoft.com/office/powerpoint/2010/main" val="3893103565"/>
-      </p:ext>
-    </p:extLst>
-  </p:cSld>
-  <p:clrMapOvr>
-    <a:masterClrMapping/>
-  </p:clrMapOvr>
-</p:sld>
-</file>
-
-<file path=ppt/slides/slide29.xml><?xml version="1.0" encoding="utf-8"?>
-<p:sld xmlns:a="http://schemas.openxmlformats.org/drawingml/2006/main" xmlns:r="http://schemas.openxmlformats.org/officeDocument/2006/relationships" xmlns:p="http://schemas.openxmlformats.org/presentationml/2006/main">
-  <p:cSld>
-    <p:spTree>
-      <p:nvGrpSpPr>
-        <p:cNvPr id="1" name=""/>
-        <p:cNvGrpSpPr/>
-        <p:nvPr/>
-      </p:nvGrpSpPr>
-      <p:grpSpPr>
-        <a:xfrm>
-          <a:off x="0" y="0"/>
-          <a:ext cx="0" cy="0"/>
-          <a:chOff x="0" y="0"/>
-          <a:chExt cx="0" cy="0"/>
-        </a:xfrm>
-      </p:grpSpPr>
-      <p:sp>
-        <p:nvSpPr>
-          <p:cNvPr id="2" name="Title 1"/>
-          <p:cNvSpPr>
-            <a:spLocks noGrp="1"/>
-          </p:cNvSpPr>
-          <p:nvPr>
-            <p:ph type="title"/>
-          </p:nvPr>
-        </p:nvSpPr>
-        <p:spPr/>
-        <p:txBody>
-          <a:bodyPr/>
-          <a:lstStyle/>
-          <a:p>
-            <a:r>
-              <a:rPr lang="en-US" dirty="0"/>
-              <a:t>Conclusion</a:t>
-            </a:r>
-          </a:p>
-        </p:txBody>
-      </p:sp>
-      <p:sp>
-        <p:nvSpPr>
-          <p:cNvPr id="3" name="Text Placeholder 2"/>
-          <p:cNvSpPr>
-            <a:spLocks noGrp="1"/>
-          </p:cNvSpPr>
-          <p:nvPr>
-            <p:ph type="body" idx="1"/>
-          </p:nvPr>
-        </p:nvSpPr>
-        <p:spPr/>
-        <p:txBody>
-          <a:bodyPr/>
-          <a:lstStyle/>
-          <a:p>
-            <a:pPr marL="457200" indent="-457200">
-              <a:buFont typeface="+mj-lt"/>
-              <a:buAutoNum type="arabicPeriod"/>
-            </a:pPr>
-            <a:r>
-              <a:rPr lang="en-US" dirty="0">
-                <a:latin typeface="+mj-lt"/>
-                <a:cs typeface="Courier New" panose="02070309020205020404" pitchFamily="49" charset="0"/>
-              </a:rPr>
-              <a:t>The exponential and Weibull regression models fit a parametric survival curve to the data.</a:t>
-            </a:r>
-          </a:p>
-          <a:p>
-            <a:pPr marL="457200" indent="-457200">
-              <a:buFont typeface="+mj-lt"/>
-              <a:buAutoNum type="arabicPeriod"/>
-            </a:pPr>
-            <a:r>
-              <a:rPr lang="en-US" dirty="0">
-                <a:latin typeface="+mj-lt"/>
-                <a:cs typeface="Courier New" panose="02070309020205020404" pitchFamily="49" charset="0"/>
-              </a:rPr>
-              <a:t>You can interpret both models in terms of accelerated time.</a:t>
-            </a:r>
-          </a:p>
-          <a:p>
-            <a:pPr marL="457200" indent="-457200">
-              <a:buFont typeface="+mj-lt"/>
-              <a:buAutoNum type="arabicPeriod"/>
-            </a:pPr>
-            <a:r>
-              <a:rPr lang="en-US" dirty="0">
-                <a:latin typeface="+mj-lt"/>
-                <a:cs typeface="Courier New" panose="02070309020205020404" pitchFamily="49" charset="0"/>
-              </a:rPr>
-              <a:t>The exponential survival curve is associated with a constant hazard.</a:t>
-            </a:r>
-          </a:p>
-          <a:p>
-            <a:pPr marL="457200" indent="-457200">
-              <a:buFont typeface="+mj-lt"/>
-              <a:buAutoNum type="arabicPeriod"/>
-            </a:pPr>
-            <a:r>
-              <a:rPr lang="en-US" dirty="0">
-                <a:latin typeface="+mj-lt"/>
-                <a:cs typeface="Courier New" panose="02070309020205020404" pitchFamily="49" charset="0"/>
-              </a:rPr>
-              <a:t>The Weibull survival curve is associated with</a:t>
-            </a:r>
-          </a:p>
-          <a:p>
-            <a:pPr marL="914400" lvl="1" indent="-457200">
-              <a:buFont typeface="Arial" panose="020B0604020202020204" pitchFamily="34" charset="0"/>
-              <a:buChar char="•"/>
-            </a:pPr>
-            <a:r>
-              <a:rPr lang="en-US" dirty="0">
-                <a:latin typeface="+mj-lt"/>
-                <a:cs typeface="Courier New" panose="02070309020205020404" pitchFamily="49" charset="0"/>
-              </a:rPr>
-              <a:t> a decreasing hazard if the scale parameter is less than one,</a:t>
-            </a:r>
-          </a:p>
-          <a:p>
-            <a:pPr marL="914400" lvl="1" indent="-457200">
-              <a:buFont typeface="Arial" panose="020B0604020202020204" pitchFamily="34" charset="0"/>
-              <a:buChar char="•"/>
-            </a:pPr>
-            <a:r>
-              <a:rPr lang="en-US" dirty="0">
-                <a:latin typeface="+mj-lt"/>
-                <a:cs typeface="Courier New" panose="02070309020205020404" pitchFamily="49" charset="0"/>
-              </a:rPr>
-              <a:t>a constant hazard if the scale parameter equals one, and</a:t>
-            </a:r>
-          </a:p>
-          <a:p>
-            <a:pPr marL="914400" lvl="1" indent="-457200">
-              <a:buFont typeface="Arial" panose="020B0604020202020204" pitchFamily="34" charset="0"/>
-              <a:buChar char="•"/>
-            </a:pPr>
-            <a:r>
-              <a:rPr lang="en-US" dirty="0">
-                <a:latin typeface="+mj-lt"/>
-                <a:cs typeface="Courier New" panose="02070309020205020404" pitchFamily="49" charset="0"/>
-              </a:rPr>
-              <a:t>an increasing hazard if the scale parameter is greater than one.</a:t>
-            </a:r>
-            <a:endParaRPr lang="en-US" dirty="0">
-              <a:latin typeface="+mj-lt"/>
-            </a:endParaRPr>
-          </a:p>
-        </p:txBody>
-      </p:sp>
-      <p:sp>
-        <p:nvSpPr>
-          <p:cNvPr id="4" name="Footer Placeholder 3"/>
-          <p:cNvSpPr>
-            <a:spLocks noGrp="1"/>
-          </p:cNvSpPr>
-          <p:nvPr>
-            <p:ph type="ftr" sz="quarter" idx="10"/>
-          </p:nvPr>
-        </p:nvSpPr>
-        <p:spPr/>
-        <p:txBody>
-          <a:bodyPr/>
-          <a:lstStyle/>
-          <a:p>
-            <a:pPr>
-              <a:defRPr/>
-            </a:pPr>
-            <a:r>
-              <a:rPr lang="en-US" altLang="en-US" dirty="0"/>
-              <a:t>©2018 Steve Simon    http://TheAnalysisFactor.com</a:t>
-            </a:r>
-          </a:p>
-        </p:txBody>
-      </p:sp>
-      <p:sp>
-        <p:nvSpPr>
-          <p:cNvPr id="5" name="Slide Number Placeholder 4"/>
-          <p:cNvSpPr>
-            <a:spLocks noGrp="1"/>
-          </p:cNvSpPr>
-          <p:nvPr>
-            <p:ph type="sldNum" sz="quarter" idx="11"/>
-          </p:nvPr>
-        </p:nvSpPr>
-        <p:spPr/>
-        <p:txBody>
-          <a:bodyPr/>
-          <a:lstStyle/>
-          <a:p>
-            <a:pPr>
-              <a:defRPr/>
-            </a:pPr>
-            <a:endParaRPr lang="en-US"/>
-          </a:p>
-          <a:p>
-            <a:pPr>
-              <a:defRPr/>
-            </a:pPr>
-            <a:fld id="{E9A8CBA3-AA2B-46A6-BFA3-DCEBEAAB3F0A}" type="slidenum">
-              <a:rPr lang="en-US" smtClean="0"/>
-              <a:pPr>
-                <a:defRPr/>
-              </a:pPr>
-              <a:t>29</a:t>
             </a:fld>
             <a:endParaRPr lang="en-US"/>
           </a:p>
@@ -7440,6 +7313,13 @@
   <p:clrMapOvr>
     <a:masterClrMapping/>
   </p:clrMapOvr>
+  <p:timing>
+    <p:tnLst>
+      <p:par>
+        <p:cTn id="1" dur="indefinite" restart="never" nodeType="tmRoot"/>
+      </p:par>
+    </p:tnLst>
+  </p:timing>
 </p:sld>
 </file>
 
